--- a/Docs/tep_drawings.pptx
+++ b/Docs/tep_drawings.pptx
@@ -7,9 +7,9 @@
   <p:sldIdLst>
     <p:sldId id="257" r:id="rId2"/>
     <p:sldId id="258" r:id="rId3"/>
-    <p:sldId id="259" r:id="rId4"/>
-    <p:sldId id="260" r:id="rId5"/>
-    <p:sldId id="261" r:id="rId6"/>
+    <p:sldId id="261" r:id="rId4"/>
+    <p:sldId id="259" r:id="rId5"/>
+    <p:sldId id="260" r:id="rId6"/>
   </p:sldIdLst>
   <p:sldSz cx="12192000" cy="6858000"/>
   <p:notesSz cx="6858000" cy="9144000"/>
@@ -108,6 +108,11 @@
       </a:defRPr>
     </a:lvl9pPr>
   </p:defaultTextStyle>
+  <p:extLst>
+    <p:ext uri="{EFAFB233-063F-42B5-8137-9DF3F51BA10A}">
+      <p15:sldGuideLst xmlns:p15="http://schemas.microsoft.com/office/powerpoint/2012/main"/>
+    </p:ext>
+  </p:extLst>
 </p:presentation>
 </file>
 
@@ -258,7 +263,7 @@
           <a:p>
             <a:fld id="{166F7D50-0E95-4C6E-A896-B2F3F962F7B0}" type="datetimeFigureOut">
               <a:rPr lang="pt-BR" smtClean="0"/>
-              <a:t>12/05/2020</a:t>
+              <a:t>15/05/2020</a:t>
             </a:fld>
             <a:endParaRPr lang="pt-BR"/>
           </a:p>
@@ -456,7 +461,7 @@
           <a:p>
             <a:fld id="{166F7D50-0E95-4C6E-A896-B2F3F962F7B0}" type="datetimeFigureOut">
               <a:rPr lang="pt-BR" smtClean="0"/>
-              <a:t>12/05/2020</a:t>
+              <a:t>15/05/2020</a:t>
             </a:fld>
             <a:endParaRPr lang="pt-BR"/>
           </a:p>
@@ -664,7 +669,7 @@
           <a:p>
             <a:fld id="{166F7D50-0E95-4C6E-A896-B2F3F962F7B0}" type="datetimeFigureOut">
               <a:rPr lang="pt-BR" smtClean="0"/>
-              <a:t>12/05/2020</a:t>
+              <a:t>15/05/2020</a:t>
             </a:fld>
             <a:endParaRPr lang="pt-BR"/>
           </a:p>
@@ -862,7 +867,7 @@
           <a:p>
             <a:fld id="{166F7D50-0E95-4C6E-A896-B2F3F962F7B0}" type="datetimeFigureOut">
               <a:rPr lang="pt-BR" smtClean="0"/>
-              <a:t>12/05/2020</a:t>
+              <a:t>15/05/2020</a:t>
             </a:fld>
             <a:endParaRPr lang="pt-BR"/>
           </a:p>
@@ -1137,7 +1142,7 @@
           <a:p>
             <a:fld id="{166F7D50-0E95-4C6E-A896-B2F3F962F7B0}" type="datetimeFigureOut">
               <a:rPr lang="pt-BR" smtClean="0"/>
-              <a:t>12/05/2020</a:t>
+              <a:t>15/05/2020</a:t>
             </a:fld>
             <a:endParaRPr lang="pt-BR"/>
           </a:p>
@@ -1402,7 +1407,7 @@
           <a:p>
             <a:fld id="{166F7D50-0E95-4C6E-A896-B2F3F962F7B0}" type="datetimeFigureOut">
               <a:rPr lang="pt-BR" smtClean="0"/>
-              <a:t>12/05/2020</a:t>
+              <a:t>15/05/2020</a:t>
             </a:fld>
             <a:endParaRPr lang="pt-BR"/>
           </a:p>
@@ -1814,7 +1819,7 @@
           <a:p>
             <a:fld id="{166F7D50-0E95-4C6E-A896-B2F3F962F7B0}" type="datetimeFigureOut">
               <a:rPr lang="pt-BR" smtClean="0"/>
-              <a:t>12/05/2020</a:t>
+              <a:t>15/05/2020</a:t>
             </a:fld>
             <a:endParaRPr lang="pt-BR"/>
           </a:p>
@@ -1955,7 +1960,7 @@
           <a:p>
             <a:fld id="{166F7D50-0E95-4C6E-A896-B2F3F962F7B0}" type="datetimeFigureOut">
               <a:rPr lang="pt-BR" smtClean="0"/>
-              <a:t>12/05/2020</a:t>
+              <a:t>15/05/2020</a:t>
             </a:fld>
             <a:endParaRPr lang="pt-BR"/>
           </a:p>
@@ -2068,7 +2073,7 @@
           <a:p>
             <a:fld id="{166F7D50-0E95-4C6E-A896-B2F3F962F7B0}" type="datetimeFigureOut">
               <a:rPr lang="pt-BR" smtClean="0"/>
-              <a:t>12/05/2020</a:t>
+              <a:t>15/05/2020</a:t>
             </a:fld>
             <a:endParaRPr lang="pt-BR"/>
           </a:p>
@@ -2379,7 +2384,7 @@
           <a:p>
             <a:fld id="{166F7D50-0E95-4C6E-A896-B2F3F962F7B0}" type="datetimeFigureOut">
               <a:rPr lang="pt-BR" smtClean="0"/>
-              <a:t>12/05/2020</a:t>
+              <a:t>15/05/2020</a:t>
             </a:fld>
             <a:endParaRPr lang="pt-BR"/>
           </a:p>
@@ -2667,7 +2672,7 @@
           <a:p>
             <a:fld id="{166F7D50-0E95-4C6E-A896-B2F3F962F7B0}" type="datetimeFigureOut">
               <a:rPr lang="pt-BR" smtClean="0"/>
-              <a:t>12/05/2020</a:t>
+              <a:t>15/05/2020</a:t>
             </a:fld>
             <a:endParaRPr lang="pt-BR"/>
           </a:p>
@@ -2908,7 +2913,7 @@
           <a:p>
             <a:fld id="{166F7D50-0E95-4C6E-A896-B2F3F962F7B0}" type="datetimeFigureOut">
               <a:rPr lang="pt-BR" smtClean="0"/>
-              <a:t>12/05/2020</a:t>
+              <a:t>15/05/2020</a:t>
             </a:fld>
             <a:endParaRPr lang="pt-BR"/>
           </a:p>
@@ -3890,10 +3895,113 @@
       </p:grpSpPr>
       <p:sp>
         <p:nvSpPr>
+          <p:cNvPr id="3" name="Elipse 2">
+            <a:extLst>
+              <a:ext uri="{FF2B5EF4-FFF2-40B4-BE49-F238E27FC236}">
+                <a16:creationId xmlns:a16="http://schemas.microsoft.com/office/drawing/2014/main" id="{9E37B82A-843F-4308-B8D2-C728F4C3A175}"/>
+              </a:ext>
+            </a:extLst>
+          </p:cNvPr>
+          <p:cNvSpPr/>
+          <p:nvPr/>
+        </p:nvSpPr>
+        <p:spPr>
+          <a:xfrm>
+            <a:off x="0" y="1725560"/>
+            <a:ext cx="12191999" cy="4439266"/>
+          </a:xfrm>
+          <a:prstGeom prst="ellipse">
+            <a:avLst/>
+          </a:prstGeom>
+        </p:spPr>
+        <p:style>
+          <a:lnRef idx="1">
+            <a:schemeClr val="accent6"/>
+          </a:lnRef>
+          <a:fillRef idx="2">
+            <a:schemeClr val="accent6"/>
+          </a:fillRef>
+          <a:effectRef idx="1">
+            <a:schemeClr val="accent6"/>
+          </a:effectRef>
+          <a:fontRef idx="minor">
+            <a:schemeClr val="dk1"/>
+          </a:fontRef>
+        </p:style>
+        <p:txBody>
+          <a:bodyPr rtlCol="0" anchor="t"/>
+          <a:lstStyle/>
+          <a:p>
+            <a:pPr algn="ctr"/>
+            <a:r>
+              <a:rPr lang="pt-BR" sz="3600" b="1" dirty="0" err="1"/>
+              <a:t>Unlock</a:t>
+            </a:r>
+            <a:r>
+              <a:rPr lang="pt-BR" sz="3600" b="1" dirty="0"/>
+              <a:t> </a:t>
+            </a:r>
+            <a:r>
+              <a:rPr lang="pt-BR" sz="3600" b="1" dirty="0" err="1"/>
+              <a:t>Door</a:t>
+            </a:r>
+            <a:endParaRPr lang="pt-BR" sz="3600" b="1" dirty="0"/>
+          </a:p>
+        </p:txBody>
+      </p:sp>
+      <p:sp>
+        <p:nvSpPr>
+          <p:cNvPr id="14" name="Elipse 13">
+            <a:extLst>
+              <a:ext uri="{FF2B5EF4-FFF2-40B4-BE49-F238E27FC236}">
+                <a16:creationId xmlns:a16="http://schemas.microsoft.com/office/drawing/2014/main" id="{8D613962-BBE4-49DD-9FC9-4E5F9CA7ADFA}"/>
+              </a:ext>
+            </a:extLst>
+          </p:cNvPr>
+          <p:cNvSpPr/>
+          <p:nvPr/>
+        </p:nvSpPr>
+        <p:spPr>
+          <a:xfrm>
+            <a:off x="6648349" y="3253451"/>
+            <a:ext cx="5387927" cy="1916723"/>
+          </a:xfrm>
+          <a:prstGeom prst="ellipse">
+            <a:avLst/>
+          </a:prstGeom>
+        </p:spPr>
+        <p:style>
+          <a:lnRef idx="1">
+            <a:schemeClr val="accent1"/>
+          </a:lnRef>
+          <a:fillRef idx="2">
+            <a:schemeClr val="accent1"/>
+          </a:fillRef>
+          <a:effectRef idx="1">
+            <a:schemeClr val="accent1"/>
+          </a:effectRef>
+          <a:fontRef idx="minor">
+            <a:schemeClr val="dk1"/>
+          </a:fontRef>
+        </p:style>
+        <p:txBody>
+          <a:bodyPr rtlCol="0" anchor="t"/>
+          <a:lstStyle/>
+          <a:p>
+            <a:pPr algn="ctr"/>
+            <a:r>
+              <a:rPr lang="pt-BR" sz="1100" dirty="0"/>
+              <a:t>OPEN DOOR</a:t>
+            </a:r>
+          </a:p>
+        </p:txBody>
+      </p:sp>
+      <p:sp>
+        <p:nvSpPr>
           <p:cNvPr id="2" name="Título 1">
             <a:extLst>
               <a:ext uri="{FF2B5EF4-FFF2-40B4-BE49-F238E27FC236}">
-                <a16:creationId xmlns:a16="http://schemas.microsoft.com/office/drawing/2014/main" id="{026AAB20-D19F-4702-91B0-A0E3C23307DA}"/>
+                <a16:creationId xmlns:a16="http://schemas.microsoft.com/office/drawing/2014/main" id="{BE230F5F-59A0-4460-8C10-1CEF8F9F620A}"/>
               </a:ext>
             </a:extLst>
           </p:cNvPr>
@@ -3906,7 +4014,9 @@
         </p:nvSpPr>
         <p:spPr/>
         <p:txBody>
-          <a:bodyPr/>
+          <a:bodyPr>
+            <a:normAutofit fontScale="90000"/>
+          </a:bodyPr>
           <a:lstStyle/>
           <a:p>
             <a:br>
@@ -3914,24 +4024,390 @@
             </a:br>
             <a:r>
               <a:rPr lang="pt-BR" dirty="0" err="1"/>
-              <a:t>Independent</a:t>
-            </a:r>
-            <a:r>
+              <a:t>MultiNivel</a:t>
+            </a:r>
+            <a:br>
               <a:rPr lang="pt-BR" dirty="0"/>
-              <a:t> </a:t>
-            </a:r>
+            </a:br>
             <a:r>
               <a:rPr lang="pt-BR" dirty="0" err="1"/>
-              <a:t>Order</a:t>
+              <a:t>Sequential</a:t>
             </a:r>
             <a:endParaRPr lang="pt-BR" dirty="0"/>
           </a:p>
         </p:txBody>
       </p:sp>
+      <p:sp>
+        <p:nvSpPr>
+          <p:cNvPr id="5" name="Elipse 4">
+            <a:extLst>
+              <a:ext uri="{FF2B5EF4-FFF2-40B4-BE49-F238E27FC236}">
+                <a16:creationId xmlns:a16="http://schemas.microsoft.com/office/drawing/2014/main" id="{51559416-B9C9-4E80-8FC6-0BA656A4D93C}"/>
+              </a:ext>
+            </a:extLst>
+          </p:cNvPr>
+          <p:cNvSpPr/>
+          <p:nvPr/>
+        </p:nvSpPr>
+        <p:spPr>
+          <a:xfrm>
+            <a:off x="8072836" y="3789952"/>
+            <a:ext cx="1049215" cy="1055415"/>
+          </a:xfrm>
+          <a:prstGeom prst="ellipse">
+            <a:avLst/>
+          </a:prstGeom>
+        </p:spPr>
+        <p:style>
+          <a:lnRef idx="1">
+            <a:schemeClr val="accent1"/>
+          </a:lnRef>
+          <a:fillRef idx="2">
+            <a:schemeClr val="accent1"/>
+          </a:fillRef>
+          <a:effectRef idx="1">
+            <a:schemeClr val="accent1"/>
+          </a:effectRef>
+          <a:fontRef idx="minor">
+            <a:schemeClr val="dk1"/>
+          </a:fontRef>
+        </p:style>
+        <p:txBody>
+          <a:bodyPr rtlCol="0" anchor="ctr"/>
+          <a:lstStyle/>
+          <a:p>
+            <a:pPr algn="ctr"/>
+            <a:r>
+              <a:rPr lang="pt-BR" sz="1100" dirty="0"/>
+              <a:t>INSERT KEY</a:t>
+            </a:r>
+          </a:p>
+        </p:txBody>
+      </p:sp>
+      <p:sp>
+        <p:nvSpPr>
+          <p:cNvPr id="6" name="Elipse 5">
+            <a:extLst>
+              <a:ext uri="{FF2B5EF4-FFF2-40B4-BE49-F238E27FC236}">
+                <a16:creationId xmlns:a16="http://schemas.microsoft.com/office/drawing/2014/main" id="{840CA9B4-7B40-4C8D-992B-5E967D41AD0E}"/>
+              </a:ext>
+            </a:extLst>
+          </p:cNvPr>
+          <p:cNvSpPr/>
+          <p:nvPr/>
+        </p:nvSpPr>
+        <p:spPr>
+          <a:xfrm>
+            <a:off x="9622779" y="3782579"/>
+            <a:ext cx="1049215" cy="1055415"/>
+          </a:xfrm>
+          <a:prstGeom prst="ellipse">
+            <a:avLst/>
+          </a:prstGeom>
+        </p:spPr>
+        <p:style>
+          <a:lnRef idx="1">
+            <a:schemeClr val="accent1"/>
+          </a:lnRef>
+          <a:fillRef idx="2">
+            <a:schemeClr val="accent1"/>
+          </a:fillRef>
+          <a:effectRef idx="1">
+            <a:schemeClr val="accent1"/>
+          </a:effectRef>
+          <a:fontRef idx="minor">
+            <a:schemeClr val="dk1"/>
+          </a:fontRef>
+        </p:style>
+        <p:txBody>
+          <a:bodyPr rtlCol="0" anchor="ctr"/>
+          <a:lstStyle/>
+          <a:p>
+            <a:pPr algn="ctr"/>
+            <a:r>
+              <a:rPr lang="pt-BR" sz="1100" dirty="0"/>
+              <a:t>ACTIVATE DOOR HANDLE</a:t>
+            </a:r>
+          </a:p>
+        </p:txBody>
+      </p:sp>
+      <p:cxnSp>
+        <p:nvCxnSpPr>
+          <p:cNvPr id="8" name="Conector de Seta Reta 7">
+            <a:extLst>
+              <a:ext uri="{FF2B5EF4-FFF2-40B4-BE49-F238E27FC236}">
+                <a16:creationId xmlns:a16="http://schemas.microsoft.com/office/drawing/2014/main" id="{68841DAC-9026-4B38-B182-A35B7889A15E}"/>
+              </a:ext>
+            </a:extLst>
+          </p:cNvPr>
+          <p:cNvCxnSpPr>
+            <a:cxnSpLocks/>
+            <a:stCxn id="5" idx="6"/>
+            <a:endCxn id="6" idx="2"/>
+          </p:cNvCxnSpPr>
+          <p:nvPr/>
+        </p:nvCxnSpPr>
+        <p:spPr>
+          <a:xfrm flipV="1">
+            <a:off x="9122051" y="4310287"/>
+            <a:ext cx="500728" cy="7373"/>
+          </a:xfrm>
+          <a:prstGeom prst="straightConnector1">
+            <a:avLst/>
+          </a:prstGeom>
+          <a:ln w="76200">
+            <a:tailEnd type="triangle"/>
+          </a:ln>
+        </p:spPr>
+        <p:style>
+          <a:lnRef idx="1">
+            <a:schemeClr val="accent1"/>
+          </a:lnRef>
+          <a:fillRef idx="0">
+            <a:schemeClr val="accent1"/>
+          </a:fillRef>
+          <a:effectRef idx="0">
+            <a:schemeClr val="accent1"/>
+          </a:effectRef>
+          <a:fontRef idx="minor">
+            <a:schemeClr val="tx1"/>
+          </a:fontRef>
+        </p:style>
+      </p:cxnSp>
+      <p:sp>
+        <p:nvSpPr>
+          <p:cNvPr id="15" name="Elipse 14">
+            <a:extLst>
+              <a:ext uri="{FF2B5EF4-FFF2-40B4-BE49-F238E27FC236}">
+                <a16:creationId xmlns:a16="http://schemas.microsoft.com/office/drawing/2014/main" id="{03904D50-5A64-4FED-A6E0-CD44B26A373A}"/>
+              </a:ext>
+            </a:extLst>
+          </p:cNvPr>
+          <p:cNvSpPr/>
+          <p:nvPr/>
+        </p:nvSpPr>
+        <p:spPr>
+          <a:xfrm>
+            <a:off x="155726" y="3253451"/>
+            <a:ext cx="5387927" cy="1916723"/>
+          </a:xfrm>
+          <a:prstGeom prst="ellipse">
+            <a:avLst/>
+          </a:prstGeom>
+        </p:spPr>
+        <p:style>
+          <a:lnRef idx="1">
+            <a:schemeClr val="accent1"/>
+          </a:lnRef>
+          <a:fillRef idx="2">
+            <a:schemeClr val="accent1"/>
+          </a:fillRef>
+          <a:effectRef idx="1">
+            <a:schemeClr val="accent1"/>
+          </a:effectRef>
+          <a:fontRef idx="minor">
+            <a:schemeClr val="dk1"/>
+          </a:fontRef>
+        </p:style>
+        <p:txBody>
+          <a:bodyPr rtlCol="0" anchor="t"/>
+          <a:lstStyle/>
+          <a:p>
+            <a:pPr algn="ctr"/>
+            <a:r>
+              <a:rPr lang="pt-BR" sz="1100" dirty="0" err="1"/>
+              <a:t>Find</a:t>
+            </a:r>
+            <a:r>
+              <a:rPr lang="pt-BR" sz="1100" dirty="0"/>
+              <a:t> Key</a:t>
+            </a:r>
+          </a:p>
+        </p:txBody>
+      </p:sp>
+      <p:sp>
+        <p:nvSpPr>
+          <p:cNvPr id="16" name="Elipse 15">
+            <a:extLst>
+              <a:ext uri="{FF2B5EF4-FFF2-40B4-BE49-F238E27FC236}">
+                <a16:creationId xmlns:a16="http://schemas.microsoft.com/office/drawing/2014/main" id="{7F565D85-E385-4ACA-8DB3-CF69B5549C98}"/>
+              </a:ext>
+            </a:extLst>
+          </p:cNvPr>
+          <p:cNvSpPr/>
+          <p:nvPr/>
+        </p:nvSpPr>
+        <p:spPr>
+          <a:xfrm>
+            <a:off x="1520006" y="3789953"/>
+            <a:ext cx="1049215" cy="1055415"/>
+          </a:xfrm>
+          <a:prstGeom prst="ellipse">
+            <a:avLst/>
+          </a:prstGeom>
+        </p:spPr>
+        <p:style>
+          <a:lnRef idx="1">
+            <a:schemeClr val="accent1"/>
+          </a:lnRef>
+          <a:fillRef idx="2">
+            <a:schemeClr val="accent1"/>
+          </a:fillRef>
+          <a:effectRef idx="1">
+            <a:schemeClr val="accent1"/>
+          </a:effectRef>
+          <a:fontRef idx="minor">
+            <a:schemeClr val="dk1"/>
+          </a:fontRef>
+        </p:style>
+        <p:txBody>
+          <a:bodyPr rtlCol="0" anchor="ctr"/>
+          <a:lstStyle/>
+          <a:p>
+            <a:pPr algn="ctr"/>
+            <a:r>
+              <a:rPr lang="pt-BR" sz="1100" dirty="0"/>
+              <a:t>GRAB HUG</a:t>
+            </a:r>
+          </a:p>
+        </p:txBody>
+      </p:sp>
+      <p:sp>
+        <p:nvSpPr>
+          <p:cNvPr id="17" name="Elipse 16">
+            <a:extLst>
+              <a:ext uri="{FF2B5EF4-FFF2-40B4-BE49-F238E27FC236}">
+                <a16:creationId xmlns:a16="http://schemas.microsoft.com/office/drawing/2014/main" id="{DF83EA8C-FC35-4981-8CAB-142E3C4473CD}"/>
+              </a:ext>
+            </a:extLst>
+          </p:cNvPr>
+          <p:cNvSpPr/>
+          <p:nvPr/>
+        </p:nvSpPr>
+        <p:spPr>
+          <a:xfrm>
+            <a:off x="3069949" y="3789953"/>
+            <a:ext cx="1049215" cy="1055415"/>
+          </a:xfrm>
+          <a:prstGeom prst="ellipse">
+            <a:avLst/>
+          </a:prstGeom>
+        </p:spPr>
+        <p:style>
+          <a:lnRef idx="1">
+            <a:schemeClr val="accent1"/>
+          </a:lnRef>
+          <a:fillRef idx="2">
+            <a:schemeClr val="accent1"/>
+          </a:fillRef>
+          <a:effectRef idx="1">
+            <a:schemeClr val="accent1"/>
+          </a:effectRef>
+          <a:fontRef idx="minor">
+            <a:schemeClr val="dk1"/>
+          </a:fontRef>
+        </p:style>
+        <p:txBody>
+          <a:bodyPr rtlCol="0" anchor="ctr"/>
+          <a:lstStyle/>
+          <a:p>
+            <a:pPr algn="ctr"/>
+            <a:r>
+              <a:rPr lang="pt-BR" sz="1100" dirty="0"/>
+              <a:t>GRAB KEY</a:t>
+            </a:r>
+          </a:p>
+        </p:txBody>
+      </p:sp>
+      <p:cxnSp>
+        <p:nvCxnSpPr>
+          <p:cNvPr id="19" name="Conector de Seta Reta 18">
+            <a:extLst>
+              <a:ext uri="{FF2B5EF4-FFF2-40B4-BE49-F238E27FC236}">
+                <a16:creationId xmlns:a16="http://schemas.microsoft.com/office/drawing/2014/main" id="{0E81A026-52A6-451C-9581-F5FDC243EC6F}"/>
+              </a:ext>
+            </a:extLst>
+          </p:cNvPr>
+          <p:cNvCxnSpPr>
+            <a:cxnSpLocks/>
+            <a:stCxn id="16" idx="6"/>
+            <a:endCxn id="17" idx="2"/>
+          </p:cNvCxnSpPr>
+          <p:nvPr/>
+        </p:nvCxnSpPr>
+        <p:spPr>
+          <a:xfrm>
+            <a:off x="2569221" y="4317661"/>
+            <a:ext cx="500728" cy="0"/>
+          </a:xfrm>
+          <a:prstGeom prst="straightConnector1">
+            <a:avLst/>
+          </a:prstGeom>
+          <a:ln w="76200">
+            <a:tailEnd type="triangle"/>
+          </a:ln>
+        </p:spPr>
+        <p:style>
+          <a:lnRef idx="1">
+            <a:schemeClr val="accent1"/>
+          </a:lnRef>
+          <a:fillRef idx="0">
+            <a:schemeClr val="accent1"/>
+          </a:fillRef>
+          <a:effectRef idx="0">
+            <a:schemeClr val="accent1"/>
+          </a:effectRef>
+          <a:fontRef idx="minor">
+            <a:schemeClr val="tx1"/>
+          </a:fontRef>
+        </p:style>
+      </p:cxnSp>
+      <p:cxnSp>
+        <p:nvCxnSpPr>
+          <p:cNvPr id="21" name="Conector de Seta Reta 20">
+            <a:extLst>
+              <a:ext uri="{FF2B5EF4-FFF2-40B4-BE49-F238E27FC236}">
+                <a16:creationId xmlns:a16="http://schemas.microsoft.com/office/drawing/2014/main" id="{63B50A11-51BA-4DF5-BBBA-F751394D7435}"/>
+              </a:ext>
+            </a:extLst>
+          </p:cNvPr>
+          <p:cNvCxnSpPr>
+            <a:cxnSpLocks/>
+            <a:endCxn id="14" idx="2"/>
+          </p:cNvCxnSpPr>
+          <p:nvPr/>
+        </p:nvCxnSpPr>
+        <p:spPr>
+          <a:xfrm>
+            <a:off x="5483444" y="4211813"/>
+            <a:ext cx="1164905" cy="0"/>
+          </a:xfrm>
+          <a:prstGeom prst="straightConnector1">
+            <a:avLst/>
+          </a:prstGeom>
+          <a:ln w="76200">
+            <a:tailEnd type="triangle"/>
+          </a:ln>
+        </p:spPr>
+        <p:style>
+          <a:lnRef idx="1">
+            <a:schemeClr val="accent1"/>
+          </a:lnRef>
+          <a:fillRef idx="0">
+            <a:schemeClr val="accent1"/>
+          </a:fillRef>
+          <a:effectRef idx="0">
+            <a:schemeClr val="accent1"/>
+          </a:effectRef>
+          <a:fontRef idx="minor">
+            <a:schemeClr val="tx1"/>
+          </a:fontRef>
+        </p:style>
+      </p:cxnSp>
     </p:spTree>
     <p:extLst>
       <p:ext uri="{BB962C8B-B14F-4D97-AF65-F5344CB8AC3E}">
-        <p14:creationId xmlns:p14="http://schemas.microsoft.com/office/powerpoint/2010/main" val="3947391811"/>
+        <p14:creationId xmlns:p14="http://schemas.microsoft.com/office/powerpoint/2010/main" val="3511542172"/>
       </p:ext>
     </p:extLst>
   </p:cSld>
@@ -3963,7 +4439,7 @@
           <p:cNvPr id="2" name="Título 1">
             <a:extLst>
               <a:ext uri="{FF2B5EF4-FFF2-40B4-BE49-F238E27FC236}">
-                <a16:creationId xmlns:a16="http://schemas.microsoft.com/office/drawing/2014/main" id="{CC72A92D-0AE1-43EC-9E40-F47FCC8FED14}"/>
+                <a16:creationId xmlns:a16="http://schemas.microsoft.com/office/drawing/2014/main" id="{026AAB20-D19F-4702-91B0-A0E3C23307DA}"/>
               </a:ext>
             </a:extLst>
           </p:cNvPr>
@@ -3983,41 +4459,25 @@
               <a:rPr lang="pt-BR" dirty="0"/>
             </a:br>
             <a:r>
+              <a:rPr lang="pt-BR" dirty="0" err="1"/>
+              <a:t>Independent</a:t>
+            </a:r>
+            <a:r>
               <a:rPr lang="pt-BR" dirty="0"/>
-              <a:t>Temporizador</a:t>
-            </a:r>
-          </a:p>
-        </p:txBody>
-      </p:sp>
-      <p:sp>
-        <p:nvSpPr>
-          <p:cNvPr id="3" name="Espaço Reservado para Conteúdo 2">
-            <a:extLst>
-              <a:ext uri="{FF2B5EF4-FFF2-40B4-BE49-F238E27FC236}">
-                <a16:creationId xmlns:a16="http://schemas.microsoft.com/office/drawing/2014/main" id="{6F6050AC-EB84-47D5-BA65-FFA4CAA00A84}"/>
-              </a:ext>
-            </a:extLst>
-          </p:cNvPr>
-          <p:cNvSpPr>
-            <a:spLocks noGrp="1"/>
-          </p:cNvSpPr>
-          <p:nvPr>
-            <p:ph idx="1"/>
-          </p:nvPr>
-        </p:nvSpPr>
-        <p:spPr/>
-        <p:txBody>
-          <a:bodyPr/>
-          <a:lstStyle/>
-          <a:p>
-            <a:endParaRPr lang="pt-BR"/>
+              <a:t> </a:t>
+            </a:r>
+            <a:r>
+              <a:rPr lang="pt-BR" dirty="0" err="1"/>
+              <a:t>Order</a:t>
+            </a:r>
+            <a:endParaRPr lang="pt-BR" dirty="0"/>
           </a:p>
         </p:txBody>
       </p:sp>
     </p:spTree>
     <p:extLst>
       <p:ext uri="{BB962C8B-B14F-4D97-AF65-F5344CB8AC3E}">
-        <p14:creationId xmlns:p14="http://schemas.microsoft.com/office/powerpoint/2010/main" val="6274155"/>
+        <p14:creationId xmlns:p14="http://schemas.microsoft.com/office/powerpoint/2010/main" val="3947391811"/>
       </p:ext>
     </p:extLst>
   </p:cSld>
@@ -4049,7 +4509,7 @@
           <p:cNvPr id="2" name="Título 1">
             <a:extLst>
               <a:ext uri="{FF2B5EF4-FFF2-40B4-BE49-F238E27FC236}">
-                <a16:creationId xmlns:a16="http://schemas.microsoft.com/office/drawing/2014/main" id="{BE230F5F-59A0-4460-8C10-1CEF8F9F620A}"/>
+                <a16:creationId xmlns:a16="http://schemas.microsoft.com/office/drawing/2014/main" id="{CC72A92D-0AE1-43EC-9E40-F47FCC8FED14}"/>
               </a:ext>
             </a:extLst>
           </p:cNvPr>
@@ -4069,17 +4529,41 @@
               <a:rPr lang="pt-BR" dirty="0"/>
             </a:br>
             <a:r>
-              <a:rPr lang="pt-BR" dirty="0" err="1"/>
-              <a:t>MultiNivel</a:t>
-            </a:r>
-            <a:endParaRPr lang="pt-BR" dirty="0"/>
+              <a:rPr lang="pt-BR" dirty="0"/>
+              <a:t>Temporizador</a:t>
+            </a:r>
+          </a:p>
+        </p:txBody>
+      </p:sp>
+      <p:sp>
+        <p:nvSpPr>
+          <p:cNvPr id="3" name="Espaço Reservado para Conteúdo 2">
+            <a:extLst>
+              <a:ext uri="{FF2B5EF4-FFF2-40B4-BE49-F238E27FC236}">
+                <a16:creationId xmlns:a16="http://schemas.microsoft.com/office/drawing/2014/main" id="{6F6050AC-EB84-47D5-BA65-FFA4CAA00A84}"/>
+              </a:ext>
+            </a:extLst>
+          </p:cNvPr>
+          <p:cNvSpPr>
+            <a:spLocks noGrp="1"/>
+          </p:cNvSpPr>
+          <p:nvPr>
+            <p:ph idx="1"/>
+          </p:nvPr>
+        </p:nvSpPr>
+        <p:spPr/>
+        <p:txBody>
+          <a:bodyPr/>
+          <a:lstStyle/>
+          <a:p>
+            <a:endParaRPr lang="pt-BR"/>
           </a:p>
         </p:txBody>
       </p:sp>
     </p:spTree>
     <p:extLst>
       <p:ext uri="{BB962C8B-B14F-4D97-AF65-F5344CB8AC3E}">
-        <p14:creationId xmlns:p14="http://schemas.microsoft.com/office/powerpoint/2010/main" val="3511542172"/>
+        <p14:creationId xmlns:p14="http://schemas.microsoft.com/office/powerpoint/2010/main" val="6274155"/>
       </p:ext>
     </p:extLst>
   </p:cSld>

--- a/Docs/tep_drawings.pptx
+++ b/Docs/tep_drawings.pptx
@@ -263,7 +263,7 @@
           <a:p>
             <a:fld id="{166F7D50-0E95-4C6E-A896-B2F3F962F7B0}" type="datetimeFigureOut">
               <a:rPr lang="pt-BR" smtClean="0"/>
-              <a:t>15/05/2020</a:t>
+              <a:t>16/05/2020</a:t>
             </a:fld>
             <a:endParaRPr lang="pt-BR"/>
           </a:p>
@@ -461,7 +461,7 @@
           <a:p>
             <a:fld id="{166F7D50-0E95-4C6E-A896-B2F3F962F7B0}" type="datetimeFigureOut">
               <a:rPr lang="pt-BR" smtClean="0"/>
-              <a:t>15/05/2020</a:t>
+              <a:t>16/05/2020</a:t>
             </a:fld>
             <a:endParaRPr lang="pt-BR"/>
           </a:p>
@@ -669,7 +669,7 @@
           <a:p>
             <a:fld id="{166F7D50-0E95-4C6E-A896-B2F3F962F7B0}" type="datetimeFigureOut">
               <a:rPr lang="pt-BR" smtClean="0"/>
-              <a:t>15/05/2020</a:t>
+              <a:t>16/05/2020</a:t>
             </a:fld>
             <a:endParaRPr lang="pt-BR"/>
           </a:p>
@@ -867,7 +867,7 @@
           <a:p>
             <a:fld id="{166F7D50-0E95-4C6E-A896-B2F3F962F7B0}" type="datetimeFigureOut">
               <a:rPr lang="pt-BR" smtClean="0"/>
-              <a:t>15/05/2020</a:t>
+              <a:t>16/05/2020</a:t>
             </a:fld>
             <a:endParaRPr lang="pt-BR"/>
           </a:p>
@@ -1142,7 +1142,7 @@
           <a:p>
             <a:fld id="{166F7D50-0E95-4C6E-A896-B2F3F962F7B0}" type="datetimeFigureOut">
               <a:rPr lang="pt-BR" smtClean="0"/>
-              <a:t>15/05/2020</a:t>
+              <a:t>16/05/2020</a:t>
             </a:fld>
             <a:endParaRPr lang="pt-BR"/>
           </a:p>
@@ -1407,7 +1407,7 @@
           <a:p>
             <a:fld id="{166F7D50-0E95-4C6E-A896-B2F3F962F7B0}" type="datetimeFigureOut">
               <a:rPr lang="pt-BR" smtClean="0"/>
-              <a:t>15/05/2020</a:t>
+              <a:t>16/05/2020</a:t>
             </a:fld>
             <a:endParaRPr lang="pt-BR"/>
           </a:p>
@@ -1819,7 +1819,7 @@
           <a:p>
             <a:fld id="{166F7D50-0E95-4C6E-A896-B2F3F962F7B0}" type="datetimeFigureOut">
               <a:rPr lang="pt-BR" smtClean="0"/>
-              <a:t>15/05/2020</a:t>
+              <a:t>16/05/2020</a:t>
             </a:fld>
             <a:endParaRPr lang="pt-BR"/>
           </a:p>
@@ -1960,7 +1960,7 @@
           <a:p>
             <a:fld id="{166F7D50-0E95-4C6E-A896-B2F3F962F7B0}" type="datetimeFigureOut">
               <a:rPr lang="pt-BR" smtClean="0"/>
-              <a:t>15/05/2020</a:t>
+              <a:t>16/05/2020</a:t>
             </a:fld>
             <a:endParaRPr lang="pt-BR"/>
           </a:p>
@@ -2073,7 +2073,7 @@
           <a:p>
             <a:fld id="{166F7D50-0E95-4C6E-A896-B2F3F962F7B0}" type="datetimeFigureOut">
               <a:rPr lang="pt-BR" smtClean="0"/>
-              <a:t>15/05/2020</a:t>
+              <a:t>16/05/2020</a:t>
             </a:fld>
             <a:endParaRPr lang="pt-BR"/>
           </a:p>
@@ -2384,7 +2384,7 @@
           <a:p>
             <a:fld id="{166F7D50-0E95-4C6E-A896-B2F3F962F7B0}" type="datetimeFigureOut">
               <a:rPr lang="pt-BR" smtClean="0"/>
-              <a:t>15/05/2020</a:t>
+              <a:t>16/05/2020</a:t>
             </a:fld>
             <a:endParaRPr lang="pt-BR"/>
           </a:p>
@@ -2672,7 +2672,7 @@
           <a:p>
             <a:fld id="{166F7D50-0E95-4C6E-A896-B2F3F962F7B0}" type="datetimeFigureOut">
               <a:rPr lang="pt-BR" smtClean="0"/>
-              <a:t>15/05/2020</a:t>
+              <a:t>16/05/2020</a:t>
             </a:fld>
             <a:endParaRPr lang="pt-BR"/>
           </a:p>
@@ -2913,7 +2913,7 @@
           <a:p>
             <a:fld id="{166F7D50-0E95-4C6E-A896-B2F3F962F7B0}" type="datetimeFigureOut">
               <a:rPr lang="pt-BR" smtClean="0"/>
-              <a:t>15/05/2020</a:t>
+              <a:t>16/05/2020</a:t>
             </a:fld>
             <a:endParaRPr lang="pt-BR"/>
           </a:p>
